--- a/conf_presentation.PPTX
+++ b/conf_presentation.PPTX
@@ -7,7 +7,7 @@
     <p:sldMasterId id="2147483679" r:id="rId3"/>
   </p:sldMasterIdLst>
   <p:notesMasterIdLst>
-    <p:notesMasterId r:id="rId25"/>
+    <p:notesMasterId r:id="rId26"/>
   </p:notesMasterIdLst>
   <p:sldIdLst>
     <p:sldId id="257" r:id="rId4"/>
@@ -16,21 +16,22 @@
     <p:sldId id="276" r:id="rId7"/>
     <p:sldId id="278" r:id="rId8"/>
     <p:sldId id="279" r:id="rId9"/>
-    <p:sldId id="275" r:id="rId10"/>
+    <p:sldId id="280" r:id="rId10"/>
     <p:sldId id="259" r:id="rId11"/>
-    <p:sldId id="261" r:id="rId12"/>
-    <p:sldId id="260" r:id="rId13"/>
-    <p:sldId id="262" r:id="rId14"/>
-    <p:sldId id="263" r:id="rId15"/>
-    <p:sldId id="264" r:id="rId16"/>
-    <p:sldId id="265" r:id="rId17"/>
-    <p:sldId id="266" r:id="rId18"/>
-    <p:sldId id="269" r:id="rId19"/>
-    <p:sldId id="268" r:id="rId20"/>
-    <p:sldId id="272" r:id="rId21"/>
-    <p:sldId id="271" r:id="rId22"/>
-    <p:sldId id="273" r:id="rId23"/>
-    <p:sldId id="274" r:id="rId24"/>
+    <p:sldId id="281" r:id="rId12"/>
+    <p:sldId id="275" r:id="rId13"/>
+    <p:sldId id="260" r:id="rId14"/>
+    <p:sldId id="262" r:id="rId15"/>
+    <p:sldId id="263" r:id="rId16"/>
+    <p:sldId id="264" r:id="rId17"/>
+    <p:sldId id="265" r:id="rId18"/>
+    <p:sldId id="266" r:id="rId19"/>
+    <p:sldId id="269" r:id="rId20"/>
+    <p:sldId id="268" r:id="rId21"/>
+    <p:sldId id="272" r:id="rId22"/>
+    <p:sldId id="271" r:id="rId23"/>
+    <p:sldId id="273" r:id="rId24"/>
+    <p:sldId id="274" r:id="rId25"/>
   </p:sldIdLst>
   <p:sldSz cx="12192000" cy="6858000"/>
   <p:notesSz cx="6858000" cy="9144000"/>
@@ -219,7 +220,7 @@
           <a:p>
             <a:fld id="{BD9E4AB4-83F6-4F6E-9784-9825C2934831}" type="datetimeFigureOut">
               <a:rPr lang="en-US" smtClean="0"/>
-              <a:t>6/25/2022</a:t>
+              <a:t>6/26/2022</a:t>
             </a:fld>
             <a:endParaRPr lang="en-US"/>
           </a:p>
@@ -14383,7 +14384,7 @@
     <p:bg>
       <p:bgPr>
         <a:solidFill>
-          <a:srgbClr val="E8F4FD"/>
+          <a:srgbClr val="F9F9FC"/>
         </a:solidFill>
         <a:effectLst/>
       </p:bgPr>
@@ -15354,7 +15355,7 @@
     <p:bg>
       <p:bgPr>
         <a:solidFill>
-          <a:srgbClr val="E8F4FD"/>
+          <a:srgbClr val="F9F9FC"/>
         </a:solidFill>
         <a:effectLst/>
       </p:bgPr>
@@ -16325,7 +16326,7 @@
     <p:bg>
       <p:bgPr>
         <a:solidFill>
-          <a:srgbClr val="E8F4FD"/>
+          <a:srgbClr val="F9F9FC"/>
         </a:solidFill>
         <a:effectLst/>
       </p:bgPr>
@@ -17148,27 +17149,7 @@
                 <a:latin typeface="Leelawadee UI Semilight" panose="020B0402040204020203" pitchFamily="34" charset="-34"/>
                 <a:cs typeface="Leelawadee UI Semilight" panose="020B0402040204020203" pitchFamily="34" charset="-34"/>
               </a:rPr>
-              <a:t>Introducin</a:t>
-            </a:r>
-            <a:r>
-              <a:rPr lang="en-US" sz="4800" b="1" dirty="0" smtClean="0">
-                <a:solidFill>
-                  <a:srgbClr val="FFD26E"/>
-                </a:solidFill>
-                <a:latin typeface="Leelawadee UI Semilight" panose="020B0402040204020203" pitchFamily="34" charset="-34"/>
-                <a:cs typeface="Leelawadee UI Semilight" panose="020B0402040204020203" pitchFamily="34" charset="-34"/>
-              </a:rPr>
-              <a:t>g </a:t>
-            </a:r>
-            <a:r>
-              <a:rPr lang="en-US" sz="4800" b="1" dirty="0" smtClean="0">
-                <a:solidFill>
-                  <a:srgbClr val="FFD26E"/>
-                </a:solidFill>
-                <a:latin typeface="Leelawadee UI Semilight" panose="020B0402040204020203" pitchFamily="34" charset="-34"/>
-                <a:cs typeface="Leelawadee UI Semilight" panose="020B0402040204020203" pitchFamily="34" charset="-34"/>
-              </a:rPr>
-              <a:t>{</a:t>
+              <a:t>Introducing {</a:t>
             </a:r>
             <a:r>
               <a:rPr lang="en-US" sz="4800" b="1" dirty="0" err="1" smtClean="0">
@@ -17225,13 +17206,6 @@
               </a:rPr>
               <a:t> workflows</a:t>
             </a:r>
-            <a:endParaRPr lang="en-US" sz="3600" dirty="0" smtClean="0">
-              <a:solidFill>
-                <a:srgbClr val="FFD26E"/>
-              </a:solidFill>
-              <a:latin typeface="Leelawadee UI Semilight" panose="020B0402040204020203" pitchFamily="34" charset="-34"/>
-              <a:cs typeface="Leelawadee UI Semilight" panose="020B0402040204020203" pitchFamily="34" charset="-34"/>
-            </a:endParaRPr>
           </a:p>
         </p:txBody>
       </p:sp>
@@ -17316,13 +17290,6 @@
               </a:rPr>
               <a:t>2022-07-27</a:t>
             </a:r>
-            <a:endParaRPr lang="en-US" sz="2400" dirty="0" smtClean="0">
-              <a:solidFill>
-                <a:srgbClr val="FFD26E"/>
-              </a:solidFill>
-              <a:latin typeface="Source Sans Pro Light" panose="020B0403030403020204" pitchFamily="34" charset="0"/>
-              <a:cs typeface="Leelawadee UI Semilight" panose="020B0402040204020203" pitchFamily="34" charset="-34"/>
-            </a:endParaRPr>
           </a:p>
           <a:p>
             <a:r>
@@ -17333,17 +17300,7 @@
                 <a:latin typeface="Source Sans Pro Light" panose="020B0403030403020204" pitchFamily="34" charset="0"/>
                 <a:cs typeface="Leelawadee UI Semilight" panose="020B0402040204020203" pitchFamily="34" charset="-34"/>
               </a:rPr>
-              <a:t>&lt;</a:t>
-            </a:r>
-            <a:r>
-              <a:rPr lang="en-US" sz="2400" dirty="0" smtClean="0">
-                <a:solidFill>
-                  <a:srgbClr val="FFD26E"/>
-                </a:solidFill>
-                <a:latin typeface="Source Sans Pro Light" panose="020B0403030403020204" pitchFamily="34" charset="0"/>
-                <a:cs typeface="Leelawadee UI Semilight" panose="020B0402040204020203" pitchFamily="34" charset="-34"/>
-              </a:rPr>
-              <a:t>link to slides&gt;</a:t>
+              <a:t>&lt;link to slides&gt;</a:t>
             </a:r>
           </a:p>
         </p:txBody>
@@ -17370,6 +17327,265 @@
 </file>
 
 <file path=ppt/slides/slide10.xml><?xml version="1.0" encoding="utf-8"?>
+<p:sld xmlns:a="http://schemas.openxmlformats.org/drawingml/2006/main" xmlns:r="http://schemas.openxmlformats.org/officeDocument/2006/relationships" xmlns:p="http://schemas.openxmlformats.org/presentationml/2006/main" showMasterSp="0">
+  <p:cSld>
+    <p:spTree>
+      <p:nvGrpSpPr>
+        <p:cNvPr id="1" name=""/>
+        <p:cNvGrpSpPr/>
+        <p:nvPr/>
+      </p:nvGrpSpPr>
+      <p:grpSpPr>
+        <a:xfrm>
+          <a:off x="0" y="0"/>
+          <a:ext cx="0" cy="0"/>
+          <a:chOff x="0" y="0"/>
+          <a:chExt cx="0" cy="0"/>
+        </a:xfrm>
+      </p:grpSpPr>
+      <p:sp>
+        <p:nvSpPr>
+          <p:cNvPr id="7" name="TextBox 6"/>
+          <p:cNvSpPr txBox="1"/>
+          <p:nvPr/>
+        </p:nvSpPr>
+        <p:spPr bwMode="gray">
+          <a:xfrm>
+            <a:off x="540894" y="487680"/>
+            <a:ext cx="6865746" cy="996033"/>
+          </a:xfrm>
+          <a:prstGeom prst="rect">
+            <a:avLst/>
+          </a:prstGeom>
+          <a:noFill/>
+        </p:spPr>
+        <p:txBody>
+          <a:bodyPr wrap="square" lIns="36000" tIns="36000" rIns="36000" bIns="36000" rtlCol="0">
+            <a:spAutoFit/>
+          </a:bodyPr>
+          <a:lstStyle/>
+          <a:p>
+            <a:pPr marL="0" indent="0">
+              <a:buNone/>
+            </a:pPr>
+            <a:r>
+              <a:rPr lang="en-US" sz="6000" b="1" dirty="0" smtClean="0">
+                <a:solidFill>
+                  <a:srgbClr val="F08843"/>
+                </a:solidFill>
+                <a:latin typeface="Leelawadee UI Semilight" panose="020B0402040204020203" pitchFamily="34" charset="-34"/>
+                <a:cs typeface="Leelawadee UI Semilight" panose="020B0402040204020203" pitchFamily="34" charset="-34"/>
+              </a:rPr>
+              <a:t>overview</a:t>
+            </a:r>
+            <a:endParaRPr lang="en-US" sz="5400" b="1" dirty="0" smtClean="0">
+              <a:solidFill>
+                <a:srgbClr val="F08843"/>
+              </a:solidFill>
+              <a:latin typeface="Leelawadee UI Semilight" panose="020B0402040204020203" pitchFamily="34" charset="-34"/>
+              <a:cs typeface="Leelawadee UI Semilight" panose="020B0402040204020203" pitchFamily="34" charset="-34"/>
+            </a:endParaRPr>
+          </a:p>
+        </p:txBody>
+      </p:sp>
+      <p:sp>
+        <p:nvSpPr>
+          <p:cNvPr id="5" name="TextBox 4"/>
+          <p:cNvSpPr txBox="1"/>
+          <p:nvPr/>
+        </p:nvSpPr>
+        <p:spPr bwMode="gray">
+          <a:xfrm>
+            <a:off x="540894" y="1869440"/>
+            <a:ext cx="5882640" cy="3150469"/>
+          </a:xfrm>
+          <a:prstGeom prst="rect">
+            <a:avLst/>
+          </a:prstGeom>
+          <a:noFill/>
+        </p:spPr>
+        <p:txBody>
+          <a:bodyPr wrap="square" lIns="36000" tIns="36000" rIns="36000" bIns="36000" rtlCol="0">
+            <a:spAutoFit/>
+          </a:bodyPr>
+          <a:lstStyle/>
+          <a:p>
+            <a:pPr marL="342900" indent="-342900">
+              <a:buAutoNum type="arabicPeriod"/>
+            </a:pPr>
+            <a:r>
+              <a:rPr lang="en-US" sz="4000" dirty="0" smtClean="0">
+                <a:latin typeface="Source Sans Pro Light" panose="020B0403030403020204" pitchFamily="34" charset="0"/>
+                <a:cs typeface="Leelawadee UI Semilight" panose="020B0402040204020203" pitchFamily="34" charset="-34"/>
+              </a:rPr>
+              <a:t> Selling Point</a:t>
+            </a:r>
+          </a:p>
+          <a:p>
+            <a:pPr marL="342900" indent="-342900">
+              <a:buAutoNum type="arabicPeriod"/>
+            </a:pPr>
+            <a:r>
+              <a:rPr lang="en-US" sz="4000" dirty="0" smtClean="0">
+                <a:latin typeface="Source Sans Pro Light" panose="020B0403030403020204" pitchFamily="34" charset="0"/>
+                <a:cs typeface="Leelawadee UI Semilight" panose="020B0402040204020203" pitchFamily="34" charset="-34"/>
+              </a:rPr>
+              <a:t> About me</a:t>
+            </a:r>
+          </a:p>
+          <a:p>
+            <a:pPr marL="342900" indent="-342900">
+              <a:buAutoNum type="arabicPeriod"/>
+            </a:pPr>
+            <a:r>
+              <a:rPr lang="en-US" sz="4000" dirty="0" smtClean="0">
+                <a:latin typeface="Source Sans Pro Light" panose="020B0403030403020204" pitchFamily="34" charset="0"/>
+                <a:cs typeface="Leelawadee UI Semilight" panose="020B0402040204020203" pitchFamily="34" charset="-34"/>
+              </a:rPr>
+              <a:t> Motivation / Background</a:t>
+            </a:r>
+          </a:p>
+          <a:p>
+            <a:pPr marL="342900" indent="-342900">
+              <a:buAutoNum type="arabicPeriod"/>
+            </a:pPr>
+            <a:r>
+              <a:rPr lang="en-US" sz="4000" dirty="0" smtClean="0">
+                <a:latin typeface="Source Sans Pro Light" panose="020B0403030403020204" pitchFamily="34" charset="0"/>
+                <a:cs typeface="Leelawadee UI Semilight" panose="020B0402040204020203" pitchFamily="34" charset="-34"/>
+              </a:rPr>
+              <a:t> Package overview</a:t>
+            </a:r>
+          </a:p>
+          <a:p>
+            <a:pPr marL="342900" indent="-342900">
+              <a:buAutoNum type="arabicPeriod"/>
+            </a:pPr>
+            <a:r>
+              <a:rPr lang="en-US" sz="4000" dirty="0" smtClean="0">
+                <a:latin typeface="Source Sans Pro Light" panose="020B0403030403020204" pitchFamily="34" charset="0"/>
+                <a:cs typeface="Leelawadee UI Semilight" panose="020B0402040204020203" pitchFamily="34" charset="-34"/>
+              </a:rPr>
+              <a:t> Cost of doing business</a:t>
+            </a:r>
+          </a:p>
+        </p:txBody>
+      </p:sp>
+      <p:sp>
+        <p:nvSpPr>
+          <p:cNvPr id="8" name="TextBox 7"/>
+          <p:cNvSpPr txBox="1"/>
+          <p:nvPr/>
+        </p:nvSpPr>
+        <p:spPr bwMode="gray">
+          <a:xfrm>
+            <a:off x="6423534" y="1869439"/>
+            <a:ext cx="2060066" cy="3150469"/>
+          </a:xfrm>
+          <a:prstGeom prst="rect">
+            <a:avLst/>
+          </a:prstGeom>
+          <a:noFill/>
+        </p:spPr>
+        <p:txBody>
+          <a:bodyPr wrap="square" lIns="36000" tIns="36000" rIns="36000" bIns="36000" rtlCol="0">
+            <a:spAutoFit/>
+          </a:bodyPr>
+          <a:lstStyle/>
+          <a:p>
+            <a:r>
+              <a:rPr lang="en-US" sz="4000" dirty="0" smtClean="0">
+                <a:solidFill>
+                  <a:schemeClr val="bg1">
+                    <a:lumMod val="65000"/>
+                  </a:schemeClr>
+                </a:solidFill>
+                <a:latin typeface="Source Sans Pro Light" panose="020B0403030403020204" pitchFamily="34" charset="0"/>
+                <a:cs typeface="Leelawadee UI Semilight" panose="020B0402040204020203" pitchFamily="34" charset="-34"/>
+              </a:rPr>
+              <a:t>(1 min)</a:t>
+            </a:r>
+          </a:p>
+          <a:p>
+            <a:r>
+              <a:rPr lang="en-US" sz="4000" dirty="0" smtClean="0">
+                <a:solidFill>
+                  <a:schemeClr val="bg1">
+                    <a:lumMod val="65000"/>
+                  </a:schemeClr>
+                </a:solidFill>
+                <a:latin typeface="Source Sans Pro Light" panose="020B0403030403020204" pitchFamily="34" charset="0"/>
+                <a:cs typeface="Leelawadee UI Semilight" panose="020B0402040204020203" pitchFamily="34" charset="-34"/>
+              </a:rPr>
+              <a:t>(2 min)</a:t>
+            </a:r>
+          </a:p>
+          <a:p>
+            <a:r>
+              <a:rPr lang="en-US" sz="4000" dirty="0" smtClean="0">
+                <a:solidFill>
+                  <a:schemeClr val="bg1">
+                    <a:lumMod val="65000"/>
+                  </a:schemeClr>
+                </a:solidFill>
+                <a:latin typeface="Source Sans Pro Light" panose="020B0403030403020204" pitchFamily="34" charset="0"/>
+                <a:cs typeface="Leelawadee UI Semilight" panose="020B0402040204020203" pitchFamily="34" charset="-34"/>
+              </a:rPr>
+              <a:t>(5 min)</a:t>
+            </a:r>
+          </a:p>
+          <a:p>
+            <a:r>
+              <a:rPr lang="en-US" sz="4000" dirty="0" smtClean="0">
+                <a:solidFill>
+                  <a:schemeClr val="bg1">
+                    <a:lumMod val="65000"/>
+                  </a:schemeClr>
+                </a:solidFill>
+                <a:latin typeface="Source Sans Pro Light" panose="020B0403030403020204" pitchFamily="34" charset="0"/>
+                <a:cs typeface="Leelawadee UI Semilight" panose="020B0402040204020203" pitchFamily="34" charset="-34"/>
+              </a:rPr>
+              <a:t>(5 min)</a:t>
+            </a:r>
+          </a:p>
+          <a:p>
+            <a:r>
+              <a:rPr lang="en-US" sz="4000" dirty="0" smtClean="0">
+                <a:solidFill>
+                  <a:schemeClr val="bg1">
+                    <a:lumMod val="65000"/>
+                  </a:schemeClr>
+                </a:solidFill>
+                <a:latin typeface="Source Sans Pro Light" panose="020B0403030403020204" pitchFamily="34" charset="0"/>
+                <a:cs typeface="Leelawadee UI Semilight" panose="020B0402040204020203" pitchFamily="34" charset="-34"/>
+              </a:rPr>
+              <a:t>(5 min)</a:t>
+            </a:r>
+          </a:p>
+        </p:txBody>
+      </p:sp>
+    </p:spTree>
+    <p:extLst>
+      <p:ext uri="{BB962C8B-B14F-4D97-AF65-F5344CB8AC3E}">
+        <p14:creationId xmlns:p14="http://schemas.microsoft.com/office/powerpoint/2010/main" val="1818630607"/>
+      </p:ext>
+    </p:extLst>
+  </p:cSld>
+  <p:clrMapOvr>
+    <a:masterClrMapping/>
+  </p:clrMapOvr>
+  <p:transition/>
+  <p:timing>
+    <p:tnLst>
+      <p:par>
+        <p:cTn id="1" dur="indefinite" restart="never" nodeType="tmRoot"/>
+      </p:par>
+    </p:tnLst>
+  </p:timing>
+</p:sld>
+</file>
+
+<file path=ppt/slides/slide11.xml><?xml version="1.0" encoding="utf-8"?>
 <p:sld xmlns:a="http://schemas.openxmlformats.org/drawingml/2006/main" xmlns:r="http://schemas.openxmlformats.org/officeDocument/2006/relationships" xmlns:p="http://schemas.openxmlformats.org/presentationml/2006/main" showMasterSp="0">
   <p:cSld>
     <p:spTree>
@@ -17885,7 +18101,7 @@
 </p:sld>
 </file>
 
-<file path=ppt/slides/slide11.xml><?xml version="1.0" encoding="utf-8"?>
+<file path=ppt/slides/slide12.xml><?xml version="1.0" encoding="utf-8"?>
 <p:sld xmlns:a="http://schemas.openxmlformats.org/drawingml/2006/main" xmlns:r="http://schemas.openxmlformats.org/officeDocument/2006/relationships" xmlns:p="http://schemas.openxmlformats.org/presentationml/2006/main" showMasterSp="0">
   <p:cSld>
     <p:bg>
@@ -18035,7 +18251,7 @@
 </p:sld>
 </file>
 
-<file path=ppt/slides/slide12.xml><?xml version="1.0" encoding="utf-8"?>
+<file path=ppt/slides/slide13.xml><?xml version="1.0" encoding="utf-8"?>
 <p:sld xmlns:a="http://schemas.openxmlformats.org/drawingml/2006/main" xmlns:r="http://schemas.openxmlformats.org/officeDocument/2006/relationships" xmlns:p="http://schemas.openxmlformats.org/presentationml/2006/main" showMasterSp="0">
   <p:cSld>
     <p:spTree>
@@ -18102,77 +18318,6 @@
     <p:extLst>
       <p:ext uri="{BB962C8B-B14F-4D97-AF65-F5344CB8AC3E}">
         <p14:creationId xmlns:p14="http://schemas.microsoft.com/office/powerpoint/2010/main" val="445026428"/>
-      </p:ext>
-    </p:extLst>
-  </p:cSld>
-  <p:clrMapOvr>
-    <a:masterClrMapping/>
-  </p:clrMapOvr>
-  <p:transition/>
-  <p:timing>
-    <p:tnLst>
-      <p:par>
-        <p:cTn id="1" dur="indefinite" restart="never" nodeType="tmRoot"/>
-      </p:par>
-    </p:tnLst>
-  </p:timing>
-</p:sld>
-</file>
-
-<file path=ppt/slides/slide13.xml><?xml version="1.0" encoding="utf-8"?>
-<p:sld xmlns:a="http://schemas.openxmlformats.org/drawingml/2006/main" xmlns:r="http://schemas.openxmlformats.org/officeDocument/2006/relationships" xmlns:p="http://schemas.openxmlformats.org/presentationml/2006/main" showMasterSp="0">
-  <p:cSld>
-    <p:spTree>
-      <p:nvGrpSpPr>
-        <p:cNvPr id="1" name=""/>
-        <p:cNvGrpSpPr/>
-        <p:nvPr/>
-      </p:nvGrpSpPr>
-      <p:grpSpPr>
-        <a:xfrm>
-          <a:off x="0" y="0"/>
-          <a:ext cx="0" cy="0"/>
-          <a:chOff x="0" y="0"/>
-          <a:chExt cx="0" cy="0"/>
-        </a:xfrm>
-      </p:grpSpPr>
-      <p:sp>
-        <p:nvSpPr>
-          <p:cNvPr id="6" name="TextBox 5"/>
-          <p:cNvSpPr txBox="1"/>
-          <p:nvPr/>
-        </p:nvSpPr>
-        <p:spPr bwMode="gray">
-          <a:xfrm>
-            <a:off x="3154680" y="3084872"/>
-            <a:ext cx="5882640" cy="688256"/>
-          </a:xfrm>
-          <a:prstGeom prst="rect">
-            <a:avLst/>
-          </a:prstGeom>
-          <a:noFill/>
-        </p:spPr>
-        <p:txBody>
-          <a:bodyPr wrap="square" lIns="36000" tIns="36000" rIns="36000" bIns="36000" rtlCol="0">
-            <a:spAutoFit/>
-          </a:bodyPr>
-          <a:lstStyle/>
-          <a:p>
-            <a:pPr algn="ctr"/>
-            <a:r>
-              <a:rPr lang="en-US" sz="4000" dirty="0" smtClean="0">
-                <a:latin typeface="Source Sans Pro Light" panose="020B0403030403020204" pitchFamily="34" charset="0"/>
-                <a:cs typeface="Leelawadee UI Semilight" panose="020B0402040204020203" pitchFamily="34" charset="-34"/>
-              </a:rPr>
-              <a:t>plot/plot/plot</a:t>
-            </a:r>
-          </a:p>
-        </p:txBody>
-      </p:sp>
-    </p:spTree>
-    <p:extLst>
-      <p:ext uri="{BB962C8B-B14F-4D97-AF65-F5344CB8AC3E}">
-        <p14:creationId xmlns:p14="http://schemas.microsoft.com/office/powerpoint/2010/main" val="2376140103"/>
       </p:ext>
     </p:extLst>
   </p:cSld>
@@ -18215,6 +18360,77 @@
         </p:nvSpPr>
         <p:spPr bwMode="gray">
           <a:xfrm>
+            <a:off x="3154680" y="3084872"/>
+            <a:ext cx="5882640" cy="688256"/>
+          </a:xfrm>
+          <a:prstGeom prst="rect">
+            <a:avLst/>
+          </a:prstGeom>
+          <a:noFill/>
+        </p:spPr>
+        <p:txBody>
+          <a:bodyPr wrap="square" lIns="36000" tIns="36000" rIns="36000" bIns="36000" rtlCol="0">
+            <a:spAutoFit/>
+          </a:bodyPr>
+          <a:lstStyle/>
+          <a:p>
+            <a:pPr algn="ctr"/>
+            <a:r>
+              <a:rPr lang="en-US" sz="4000" dirty="0" smtClean="0">
+                <a:latin typeface="Source Sans Pro Light" panose="020B0403030403020204" pitchFamily="34" charset="0"/>
+                <a:cs typeface="Leelawadee UI Semilight" panose="020B0402040204020203" pitchFamily="34" charset="-34"/>
+              </a:rPr>
+              <a:t>plot/plot/plot</a:t>
+            </a:r>
+          </a:p>
+        </p:txBody>
+      </p:sp>
+    </p:spTree>
+    <p:extLst>
+      <p:ext uri="{BB962C8B-B14F-4D97-AF65-F5344CB8AC3E}">
+        <p14:creationId xmlns:p14="http://schemas.microsoft.com/office/powerpoint/2010/main" val="2376140103"/>
+      </p:ext>
+    </p:extLst>
+  </p:cSld>
+  <p:clrMapOvr>
+    <a:masterClrMapping/>
+  </p:clrMapOvr>
+  <p:transition/>
+  <p:timing>
+    <p:tnLst>
+      <p:par>
+        <p:cTn id="1" dur="indefinite" restart="never" nodeType="tmRoot"/>
+      </p:par>
+    </p:tnLst>
+  </p:timing>
+</p:sld>
+</file>
+
+<file path=ppt/slides/slide15.xml><?xml version="1.0" encoding="utf-8"?>
+<p:sld xmlns:a="http://schemas.openxmlformats.org/drawingml/2006/main" xmlns:r="http://schemas.openxmlformats.org/officeDocument/2006/relationships" xmlns:p="http://schemas.openxmlformats.org/presentationml/2006/main" showMasterSp="0">
+  <p:cSld>
+    <p:spTree>
+      <p:nvGrpSpPr>
+        <p:cNvPr id="1" name=""/>
+        <p:cNvGrpSpPr/>
+        <p:nvPr/>
+      </p:nvGrpSpPr>
+      <p:grpSpPr>
+        <a:xfrm>
+          <a:off x="0" y="0"/>
+          <a:ext cx="0" cy="0"/>
+          <a:chOff x="0" y="0"/>
+          <a:chExt cx="0" cy="0"/>
+        </a:xfrm>
+      </p:grpSpPr>
+      <p:sp>
+        <p:nvSpPr>
+          <p:cNvPr id="6" name="TextBox 5"/>
+          <p:cNvSpPr txBox="1"/>
+          <p:nvPr/>
+        </p:nvSpPr>
+        <p:spPr bwMode="gray">
+          <a:xfrm>
             <a:off x="3154680" y="2777096"/>
             <a:ext cx="5882640" cy="1303809"/>
           </a:xfrm>
@@ -18271,7 +18487,7 @@
 </p:sld>
 </file>
 
-<file path=ppt/slides/slide15.xml><?xml version="1.0" encoding="utf-8"?>
+<file path=ppt/slides/slide16.xml><?xml version="1.0" encoding="utf-8"?>
 <p:sld xmlns:a="http://schemas.openxmlformats.org/drawingml/2006/main" xmlns:r="http://schemas.openxmlformats.org/officeDocument/2006/relationships" xmlns:p="http://schemas.openxmlformats.org/presentationml/2006/main" showMasterSp="0">
   <p:cSld>
     <p:spTree>
@@ -19060,7 +19276,7 @@
 </p:sld>
 </file>
 
-<file path=ppt/slides/slide16.xml><?xml version="1.0" encoding="utf-8"?>
+<file path=ppt/slides/slide17.xml><?xml version="1.0" encoding="utf-8"?>
 <p:sld xmlns:a="http://schemas.openxmlformats.org/drawingml/2006/main" xmlns:r="http://schemas.openxmlformats.org/officeDocument/2006/relationships" xmlns:p="http://schemas.openxmlformats.org/presentationml/2006/main" showMasterSp="0">
   <p:cSld>
     <p:spTree>
@@ -19151,7 +19367,7 @@
 </p:sld>
 </file>
 
-<file path=ppt/slides/slide17.xml><?xml version="1.0" encoding="utf-8"?>
+<file path=ppt/slides/slide18.xml><?xml version="1.0" encoding="utf-8"?>
 <p:sld xmlns:a="http://schemas.openxmlformats.org/drawingml/2006/main" xmlns:r="http://schemas.openxmlformats.org/officeDocument/2006/relationships" xmlns:p="http://schemas.openxmlformats.org/presentationml/2006/main" showMasterSp="0">
   <p:cSld>
     <p:spTree>
@@ -19381,8 +19597,8 @@
 </p:sld>
 </file>
 
-<file path=ppt/slides/slide18.xml><?xml version="1.0" encoding="utf-8"?>
-<p:sld xmlns:a="http://schemas.openxmlformats.org/drawingml/2006/main" xmlns:r="http://schemas.openxmlformats.org/officeDocument/2006/relationships" xmlns:p="http://schemas.openxmlformats.org/presentationml/2006/main">
+<file path=ppt/slides/slide19.xml><?xml version="1.0" encoding="utf-8"?>
+<p:sld xmlns:a="http://schemas.openxmlformats.org/drawingml/2006/main" xmlns:r="http://schemas.openxmlformats.org/officeDocument/2006/relationships" xmlns:p="http://schemas.openxmlformats.org/presentationml/2006/main" showMasterSp="0">
   <p:cSld>
     <p:spTree>
       <p:nvGrpSpPr>
@@ -19644,8 +19860,70 @@
 </p:sld>
 </file>
 
-<file path=ppt/slides/slide19.xml><?xml version="1.0" encoding="utf-8"?>
-<p:sld xmlns:a="http://schemas.openxmlformats.org/drawingml/2006/main" xmlns:r="http://schemas.openxmlformats.org/officeDocument/2006/relationships" xmlns:p="http://schemas.openxmlformats.org/presentationml/2006/main">
+<file path=ppt/slides/slide2.xml><?xml version="1.0" encoding="utf-8"?>
+<p:sld xmlns:a="http://schemas.openxmlformats.org/drawingml/2006/main" xmlns:r="http://schemas.openxmlformats.org/officeDocument/2006/relationships" xmlns:p="http://schemas.openxmlformats.org/presentationml/2006/main" showMasterSp="0">
+  <p:cSld>
+    <p:spTree>
+      <p:nvGrpSpPr>
+        <p:cNvPr id="1" name=""/>
+        <p:cNvGrpSpPr/>
+        <p:nvPr/>
+      </p:nvGrpSpPr>
+      <p:grpSpPr>
+        <a:xfrm>
+          <a:off x="0" y="0"/>
+          <a:ext cx="0" cy="0"/>
+          <a:chOff x="0" y="0"/>
+          <a:chExt cx="0" cy="0"/>
+        </a:xfrm>
+      </p:grpSpPr>
+      <p:pic>
+        <p:nvPicPr>
+          <p:cNvPr id="2" name="Picture 1"/>
+          <p:cNvPicPr>
+            <a:picLocks noChangeAspect="1"/>
+          </p:cNvPicPr>
+          <p:nvPr/>
+        </p:nvPicPr>
+        <p:blipFill>
+          <a:blip r:embed="rId2"/>
+          <a:stretch>
+            <a:fillRect/>
+          </a:stretch>
+        </p:blipFill>
+        <p:spPr>
+          <a:xfrm>
+            <a:off x="0" y="0"/>
+            <a:ext cx="12192000" cy="6858001"/>
+          </a:xfrm>
+          <a:prstGeom prst="rect">
+            <a:avLst/>
+          </a:prstGeom>
+        </p:spPr>
+      </p:pic>
+    </p:spTree>
+    <p:extLst>
+      <p:ext uri="{BB962C8B-B14F-4D97-AF65-F5344CB8AC3E}">
+        <p14:creationId xmlns:p14="http://schemas.microsoft.com/office/powerpoint/2010/main" val="166474926"/>
+      </p:ext>
+    </p:extLst>
+  </p:cSld>
+  <p:clrMapOvr>
+    <a:masterClrMapping/>
+  </p:clrMapOvr>
+  <p:transition/>
+  <p:timing>
+    <p:tnLst>
+      <p:par>
+        <p:cTn id="1" dur="indefinite" restart="never" nodeType="tmRoot"/>
+      </p:par>
+    </p:tnLst>
+  </p:timing>
+</p:sld>
+</file>
+
+<file path=ppt/slides/slide20.xml><?xml version="1.0" encoding="utf-8"?>
+<p:sld xmlns:a="http://schemas.openxmlformats.org/drawingml/2006/main" xmlns:r="http://schemas.openxmlformats.org/officeDocument/2006/relationships" xmlns:p="http://schemas.openxmlformats.org/presentationml/2006/main" showMasterSp="0">
   <p:cSld>
     <p:spTree>
       <p:nvGrpSpPr>
@@ -20098,70 +20376,8 @@
 </p:sld>
 </file>
 
-<file path=ppt/slides/slide2.xml><?xml version="1.0" encoding="utf-8"?>
+<file path=ppt/slides/slide21.xml><?xml version="1.0" encoding="utf-8"?>
 <p:sld xmlns:a="http://schemas.openxmlformats.org/drawingml/2006/main" xmlns:r="http://schemas.openxmlformats.org/officeDocument/2006/relationships" xmlns:p="http://schemas.openxmlformats.org/presentationml/2006/main" showMasterSp="0">
-  <p:cSld>
-    <p:spTree>
-      <p:nvGrpSpPr>
-        <p:cNvPr id="1" name=""/>
-        <p:cNvGrpSpPr/>
-        <p:nvPr/>
-      </p:nvGrpSpPr>
-      <p:grpSpPr>
-        <a:xfrm>
-          <a:off x="0" y="0"/>
-          <a:ext cx="0" cy="0"/>
-          <a:chOff x="0" y="0"/>
-          <a:chExt cx="0" cy="0"/>
-        </a:xfrm>
-      </p:grpSpPr>
-      <p:pic>
-        <p:nvPicPr>
-          <p:cNvPr id="2" name="Picture 1"/>
-          <p:cNvPicPr>
-            <a:picLocks noChangeAspect="1"/>
-          </p:cNvPicPr>
-          <p:nvPr/>
-        </p:nvPicPr>
-        <p:blipFill>
-          <a:blip r:embed="rId2"/>
-          <a:stretch>
-            <a:fillRect/>
-          </a:stretch>
-        </p:blipFill>
-        <p:spPr>
-          <a:xfrm>
-            <a:off x="0" y="0"/>
-            <a:ext cx="12192000" cy="6858001"/>
-          </a:xfrm>
-          <a:prstGeom prst="rect">
-            <a:avLst/>
-          </a:prstGeom>
-        </p:spPr>
-      </p:pic>
-    </p:spTree>
-    <p:extLst>
-      <p:ext uri="{BB962C8B-B14F-4D97-AF65-F5344CB8AC3E}">
-        <p14:creationId xmlns:p14="http://schemas.microsoft.com/office/powerpoint/2010/main" val="166474926"/>
-      </p:ext>
-    </p:extLst>
-  </p:cSld>
-  <p:clrMapOvr>
-    <a:masterClrMapping/>
-  </p:clrMapOvr>
-  <p:transition/>
-  <p:timing>
-    <p:tnLst>
-      <p:par>
-        <p:cTn id="1" dur="indefinite" restart="never" nodeType="tmRoot"/>
-      </p:par>
-    </p:tnLst>
-  </p:timing>
-</p:sld>
-</file>
-
-<file path=ppt/slides/slide20.xml><?xml version="1.0" encoding="utf-8"?>
-<p:sld xmlns:a="http://schemas.openxmlformats.org/drawingml/2006/main" xmlns:r="http://schemas.openxmlformats.org/officeDocument/2006/relationships" xmlns:p="http://schemas.openxmlformats.org/presentationml/2006/main">
   <p:cSld>
     <p:spTree>
       <p:nvGrpSpPr>
@@ -21030,8 +21246,8 @@
 </p:sld>
 </file>
 
-<file path=ppt/slides/slide21.xml><?xml version="1.0" encoding="utf-8"?>
-<p:sld xmlns:a="http://schemas.openxmlformats.org/drawingml/2006/main" xmlns:r="http://schemas.openxmlformats.org/officeDocument/2006/relationships" xmlns:p="http://schemas.openxmlformats.org/presentationml/2006/main">
+<file path=ppt/slides/slide22.xml><?xml version="1.0" encoding="utf-8"?>
+<p:sld xmlns:a="http://schemas.openxmlformats.org/drawingml/2006/main" xmlns:r="http://schemas.openxmlformats.org/officeDocument/2006/relationships" xmlns:p="http://schemas.openxmlformats.org/presentationml/2006/main" showMasterSp="0">
   <p:cSld>
     <p:spTree>
       <p:nvGrpSpPr>
@@ -21976,7 +22192,7 @@
 </file>
 
 <file path=ppt/slides/slide3.xml><?xml version="1.0" encoding="utf-8"?>
-<p:sld xmlns:a="http://schemas.openxmlformats.org/drawingml/2006/main" xmlns:r="http://schemas.openxmlformats.org/officeDocument/2006/relationships" xmlns:p="http://schemas.openxmlformats.org/presentationml/2006/main">
+<p:sld xmlns:a="http://schemas.openxmlformats.org/drawingml/2006/main" xmlns:r="http://schemas.openxmlformats.org/officeDocument/2006/relationships" xmlns:p="http://schemas.openxmlformats.org/presentationml/2006/main" showMasterSp="0">
   <p:cSld>
     <p:spTree>
       <p:nvGrpSpPr>
@@ -22136,16 +22352,8 @@
 </file>
 
 <file path=ppt/slides/slide4.xml><?xml version="1.0" encoding="utf-8"?>
-<p:sld xmlns:a="http://schemas.openxmlformats.org/drawingml/2006/main" xmlns:r="http://schemas.openxmlformats.org/officeDocument/2006/relationships" xmlns:p="http://schemas.openxmlformats.org/presentationml/2006/main">
+<p:sld xmlns:a="http://schemas.openxmlformats.org/drawingml/2006/main" xmlns:r="http://schemas.openxmlformats.org/officeDocument/2006/relationships" xmlns:p="http://schemas.openxmlformats.org/presentationml/2006/main" showMasterSp="0">
   <p:cSld>
-    <p:bg>
-      <p:bgPr>
-        <a:solidFill>
-          <a:schemeClr val="bg1"/>
-        </a:solidFill>
-        <a:effectLst/>
-      </p:bgPr>
-    </p:bg>
     <p:spTree>
       <p:nvGrpSpPr>
         <p:cNvPr id="1" name=""/>
@@ -22223,7 +22431,7 @@
 </file>
 
 <file path=ppt/slides/slide5.xml><?xml version="1.0" encoding="utf-8"?>
-<p:sld xmlns:a="http://schemas.openxmlformats.org/drawingml/2006/main" xmlns:r="http://schemas.openxmlformats.org/officeDocument/2006/relationships" xmlns:p="http://schemas.openxmlformats.org/presentationml/2006/main">
+<p:sld xmlns:a="http://schemas.openxmlformats.org/drawingml/2006/main" xmlns:r="http://schemas.openxmlformats.org/officeDocument/2006/relationships" xmlns:p="http://schemas.openxmlformats.org/presentationml/2006/main" showMasterSp="0">
   <p:cSld>
     <p:spTree>
       <p:nvGrpSpPr>
@@ -22302,7 +22510,7 @@
 </file>
 
 <file path=ppt/slides/slide6.xml><?xml version="1.0" encoding="utf-8"?>
-<p:sld xmlns:a="http://schemas.openxmlformats.org/drawingml/2006/main" xmlns:r="http://schemas.openxmlformats.org/officeDocument/2006/relationships" xmlns:p="http://schemas.openxmlformats.org/presentationml/2006/main">
+<p:sld xmlns:a="http://schemas.openxmlformats.org/drawingml/2006/main" xmlns:r="http://schemas.openxmlformats.org/officeDocument/2006/relationships" xmlns:p="http://schemas.openxmlformats.org/presentationml/2006/main" showMasterSp="0">
   <p:cSld>
     <p:spTree>
       <p:nvGrpSpPr>
@@ -22326,7 +22534,7 @@
         </p:nvSpPr>
         <p:spPr bwMode="gray">
           <a:xfrm>
-            <a:off x="540894" y="487680"/>
+            <a:off x="540894" y="469208"/>
             <a:ext cx="6865746" cy="996033"/>
           </a:xfrm>
           <a:prstGeom prst="rect">
@@ -22364,14 +22572,14 @@
               <a:t> jig </a:t>
             </a:r>
             <a:r>
-              <a:rPr lang="en-US" sz="6000" b="1" dirty="0" err="1" smtClean="0">
+              <a:rPr lang="en-US" sz="6000" b="1" dirty="0" smtClean="0">
                 <a:solidFill>
                   <a:srgbClr val="F08843"/>
                 </a:solidFill>
                 <a:latin typeface="Leelawadee UI Semilight" panose="020B0402040204020203" pitchFamily="34" charset="-34"/>
                 <a:cs typeface="Leelawadee UI Semilight" panose="020B0402040204020203" pitchFamily="34" charset="-34"/>
               </a:rPr>
-              <a:t>bruh</a:t>
+              <a:t>slide 1</a:t>
             </a:r>
             <a:endParaRPr lang="en-US" sz="5400" b="1" dirty="0" smtClean="0">
               <a:solidFill>
@@ -22414,7 +22622,7 @@
                 <a:latin typeface="Source Sans Pro Light" panose="020B0403030403020204" pitchFamily="34" charset="0"/>
                 <a:cs typeface="Leelawadee UI Semilight" panose="020B0402040204020203" pitchFamily="34" charset="-34"/>
               </a:rPr>
-              <a:t>2 slides – one close up of clamp, one in use</a:t>
+              <a:t>Tool itself – specific tool, specific job</a:t>
             </a:r>
             <a:endParaRPr lang="en-US" sz="4000" dirty="0" smtClean="0">
               <a:latin typeface="Source Sans Pro Light" panose="020B0403030403020204" pitchFamily="34" charset="0"/>
@@ -22445,7 +22653,7 @@
 </file>
 
 <file path=ppt/slides/slide7.xml><?xml version="1.0" encoding="utf-8"?>
-<p:sld xmlns:a="http://schemas.openxmlformats.org/drawingml/2006/main" xmlns:r="http://schemas.openxmlformats.org/officeDocument/2006/relationships" xmlns:p="http://schemas.openxmlformats.org/presentationml/2006/main">
+<p:sld xmlns:a="http://schemas.openxmlformats.org/drawingml/2006/main" xmlns:r="http://schemas.openxmlformats.org/officeDocument/2006/relationships" xmlns:p="http://schemas.openxmlformats.org/presentationml/2006/main" showMasterSp="0">
   <p:cSld>
     <p:spTree>
       <p:nvGrpSpPr>
@@ -22463,13 +22671,13 @@
       </p:grpSpPr>
       <p:sp>
         <p:nvSpPr>
-          <p:cNvPr id="7" name="TextBox 6"/>
+          <p:cNvPr id="6" name="TextBox 5"/>
           <p:cNvSpPr txBox="1"/>
           <p:nvPr/>
         </p:nvSpPr>
         <p:spPr bwMode="gray">
           <a:xfrm>
-            <a:off x="540894" y="487680"/>
+            <a:off x="540894" y="469208"/>
             <a:ext cx="6865746" cy="996033"/>
           </a:xfrm>
           <a:prstGeom prst="rect">
@@ -22487,14 +22695,34 @@
               <a:buNone/>
             </a:pPr>
             <a:r>
-              <a:rPr lang="en-US" sz="6000" b="1" dirty="0" smtClean="0">
+              <a:rPr lang="en-US" sz="6000" b="1" dirty="0" err="1" smtClean="0">
                 <a:solidFill>
                   <a:srgbClr val="F08843"/>
                 </a:solidFill>
                 <a:latin typeface="Leelawadee UI Semilight" panose="020B0402040204020203" pitchFamily="34" charset="-34"/>
                 <a:cs typeface="Leelawadee UI Semilight" panose="020B0402040204020203" pitchFamily="34" charset="-34"/>
               </a:rPr>
-              <a:t>overview</a:t>
+              <a:t>Kreg</a:t>
+            </a:r>
+            <a:r>
+              <a:rPr lang="en-US" sz="6000" b="1" dirty="0" smtClean="0">
+                <a:solidFill>
+                  <a:srgbClr val="F08843"/>
+                </a:solidFill>
+                <a:latin typeface="Leelawadee UI Semilight" panose="020B0402040204020203" pitchFamily="34" charset="-34"/>
+                <a:cs typeface="Leelawadee UI Semilight" panose="020B0402040204020203" pitchFamily="34" charset="-34"/>
+              </a:rPr>
+              <a:t> jig </a:t>
+            </a:r>
+            <a:r>
+              <a:rPr lang="en-US" sz="6000" b="1" dirty="0" smtClean="0">
+                <a:solidFill>
+                  <a:srgbClr val="F08843"/>
+                </a:solidFill>
+                <a:latin typeface="Leelawadee UI Semilight" panose="020B0402040204020203" pitchFamily="34" charset="-34"/>
+                <a:cs typeface="Leelawadee UI Semilight" panose="020B0402040204020203" pitchFamily="34" charset="-34"/>
+              </a:rPr>
+              <a:t>slide 2</a:t>
             </a:r>
             <a:endParaRPr lang="en-US" sz="5400" b="1" dirty="0" smtClean="0">
               <a:solidFill>
@@ -22508,14 +22736,14 @@
       </p:sp>
       <p:sp>
         <p:nvSpPr>
-          <p:cNvPr id="5" name="TextBox 4"/>
+          <p:cNvPr id="7" name="TextBox 6"/>
           <p:cNvSpPr txBox="1"/>
           <p:nvPr/>
         </p:nvSpPr>
         <p:spPr bwMode="gray">
           <a:xfrm>
             <a:off x="540894" y="1869440"/>
-            <a:ext cx="5882640" cy="3150469"/>
+            <a:ext cx="6449186" cy="688256"/>
           </a:xfrm>
           <a:prstGeom prst="rect">
             <a:avLst/>
@@ -22528,164 +22756,28 @@
           </a:bodyPr>
           <a:lstStyle/>
           <a:p>
-            <a:pPr marL="342900" indent="-342900">
-              <a:buAutoNum type="arabicPeriod"/>
+            <a:pPr marL="571500" indent="-571500">
+              <a:buFont typeface="Arial" panose="020B0604020202020204" pitchFamily="34" charset="0"/>
+              <a:buChar char="•"/>
             </a:pPr>
             <a:r>
               <a:rPr lang="en-US" sz="4000" dirty="0" smtClean="0">
                 <a:latin typeface="Source Sans Pro Light" panose="020B0403030403020204" pitchFamily="34" charset="0"/>
                 <a:cs typeface="Leelawadee UI Semilight" panose="020B0402040204020203" pitchFamily="34" charset="-34"/>
               </a:rPr>
-              <a:t> Selling Point</a:t>
-            </a:r>
-          </a:p>
-          <a:p>
-            <a:pPr marL="342900" indent="-342900">
-              <a:buAutoNum type="arabicPeriod"/>
-            </a:pPr>
-            <a:r>
-              <a:rPr lang="en-US" sz="4000" dirty="0" smtClean="0">
-                <a:latin typeface="Source Sans Pro Light" panose="020B0403030403020204" pitchFamily="34" charset="0"/>
-                <a:cs typeface="Leelawadee UI Semilight" panose="020B0402040204020203" pitchFamily="34" charset="-34"/>
-              </a:rPr>
-              <a:t> About me</a:t>
-            </a:r>
-          </a:p>
-          <a:p>
-            <a:pPr marL="342900" indent="-342900">
-              <a:buAutoNum type="arabicPeriod"/>
-            </a:pPr>
-            <a:r>
-              <a:rPr lang="en-US" sz="4000" dirty="0" smtClean="0">
-                <a:latin typeface="Source Sans Pro Light" panose="020B0403030403020204" pitchFamily="34" charset="0"/>
-                <a:cs typeface="Leelawadee UI Semilight" panose="020B0402040204020203" pitchFamily="34" charset="-34"/>
-              </a:rPr>
-              <a:t> Motivation / Background</a:t>
-            </a:r>
-          </a:p>
-          <a:p>
-            <a:pPr marL="342900" indent="-342900">
-              <a:buAutoNum type="arabicPeriod"/>
-            </a:pPr>
-            <a:r>
-              <a:rPr lang="en-US" sz="4000" dirty="0" smtClean="0">
-                <a:latin typeface="Source Sans Pro Light" panose="020B0403030403020204" pitchFamily="34" charset="0"/>
-                <a:cs typeface="Leelawadee UI Semilight" panose="020B0402040204020203" pitchFamily="34" charset="-34"/>
-              </a:rPr>
-              <a:t> Package overview</a:t>
-            </a:r>
-          </a:p>
-          <a:p>
-            <a:pPr marL="342900" indent="-342900">
-              <a:buAutoNum type="arabicPeriod"/>
-            </a:pPr>
-            <a:r>
-              <a:rPr lang="en-US" sz="4000" dirty="0" smtClean="0">
-                <a:latin typeface="Source Sans Pro Light" panose="020B0403030403020204" pitchFamily="34" charset="0"/>
-                <a:cs typeface="Leelawadee UI Semilight" panose="020B0402040204020203" pitchFamily="34" charset="-34"/>
-              </a:rPr>
-              <a:t> Cost of doing business</a:t>
-            </a:r>
-          </a:p>
-        </p:txBody>
-      </p:sp>
-      <p:sp>
-        <p:nvSpPr>
-          <p:cNvPr id="8" name="TextBox 7"/>
-          <p:cNvSpPr txBox="1"/>
-          <p:nvPr/>
-        </p:nvSpPr>
-        <p:spPr bwMode="gray">
-          <a:xfrm>
-            <a:off x="6423534" y="1869439"/>
-            <a:ext cx="2060066" cy="3150469"/>
-          </a:xfrm>
-          <a:prstGeom prst="rect">
-            <a:avLst/>
-          </a:prstGeom>
-          <a:noFill/>
-        </p:spPr>
-        <p:txBody>
-          <a:bodyPr wrap="square" lIns="36000" tIns="36000" rIns="36000" bIns="36000" rtlCol="0">
-            <a:spAutoFit/>
-          </a:bodyPr>
-          <a:lstStyle/>
-          <a:p>
-            <a:r>
-              <a:rPr lang="en-US" sz="4000" dirty="0" smtClean="0">
-                <a:solidFill>
-                  <a:schemeClr val="bg1">
-                    <a:lumMod val="65000"/>
-                  </a:schemeClr>
-                </a:solidFill>
-                <a:latin typeface="Source Sans Pro Light" panose="020B0403030403020204" pitchFamily="34" charset="0"/>
-                <a:cs typeface="Leelawadee UI Semilight" panose="020B0402040204020203" pitchFamily="34" charset="-34"/>
-              </a:rPr>
-              <a:t>(1 min)</a:t>
-            </a:r>
-          </a:p>
-          <a:p>
-            <a:r>
-              <a:rPr lang="en-US" sz="4000" dirty="0" smtClean="0">
-                <a:solidFill>
-                  <a:schemeClr val="bg1">
-                    <a:lumMod val="65000"/>
-                  </a:schemeClr>
-                </a:solidFill>
-                <a:latin typeface="Source Sans Pro Light" panose="020B0403030403020204" pitchFamily="34" charset="0"/>
-                <a:cs typeface="Leelawadee UI Semilight" panose="020B0402040204020203" pitchFamily="34" charset="-34"/>
-              </a:rPr>
-              <a:t>(2 min)</a:t>
-            </a:r>
-          </a:p>
-          <a:p>
-            <a:r>
-              <a:rPr lang="en-US" sz="4000" dirty="0" smtClean="0">
-                <a:solidFill>
-                  <a:schemeClr val="bg1">
-                    <a:lumMod val="65000"/>
-                  </a:schemeClr>
-                </a:solidFill>
-                <a:latin typeface="Source Sans Pro Light" panose="020B0403030403020204" pitchFamily="34" charset="0"/>
-                <a:cs typeface="Leelawadee UI Semilight" panose="020B0402040204020203" pitchFamily="34" charset="-34"/>
-              </a:rPr>
-              <a:t>(5 min)</a:t>
-            </a:r>
-          </a:p>
-          <a:p>
-            <a:r>
-              <a:rPr lang="en-US" sz="4000" dirty="0" smtClean="0">
-                <a:solidFill>
-                  <a:schemeClr val="bg1">
-                    <a:lumMod val="65000"/>
-                  </a:schemeClr>
-                </a:solidFill>
-                <a:latin typeface="Source Sans Pro Light" panose="020B0403030403020204" pitchFamily="34" charset="0"/>
-                <a:cs typeface="Leelawadee UI Semilight" panose="020B0402040204020203" pitchFamily="34" charset="-34"/>
-              </a:rPr>
-              <a:t>(5 min)</a:t>
-            </a:r>
-          </a:p>
-          <a:p>
-            <a:r>
-              <a:rPr lang="en-US" sz="4000" dirty="0" smtClean="0">
-                <a:solidFill>
-                  <a:schemeClr val="bg1">
-                    <a:lumMod val="65000"/>
-                  </a:schemeClr>
-                </a:solidFill>
-                <a:latin typeface="Source Sans Pro Light" panose="020B0403030403020204" pitchFamily="34" charset="0"/>
-                <a:cs typeface="Leelawadee UI Semilight" panose="020B0402040204020203" pitchFamily="34" charset="-34"/>
-              </a:rPr>
-              <a:t>(5 min)</a:t>
-            </a:r>
+              <a:t>Joining edges</a:t>
+            </a:r>
+            <a:endParaRPr lang="en-US" sz="4000" dirty="0" smtClean="0">
+              <a:latin typeface="Source Sans Pro Light" panose="020B0403030403020204" pitchFamily="34" charset="0"/>
+              <a:cs typeface="Leelawadee UI Semilight" panose="020B0402040204020203" pitchFamily="34" charset="-34"/>
+            </a:endParaRPr>
           </a:p>
         </p:txBody>
       </p:sp>
     </p:spTree>
     <p:extLst>
       <p:ext uri="{BB962C8B-B14F-4D97-AF65-F5344CB8AC3E}">
-        <p14:creationId xmlns:p14="http://schemas.microsoft.com/office/powerpoint/2010/main" val="1818630607"/>
+        <p14:creationId xmlns:p14="http://schemas.microsoft.com/office/powerpoint/2010/main" val="1918315927"/>
       </p:ext>
     </p:extLst>
   </p:cSld>
@@ -22720,46 +22812,36 @@
           <a:chExt cx="0" cy="0"/>
         </a:xfrm>
       </p:grpSpPr>
-      <p:sp>
-        <p:nvSpPr>
-          <p:cNvPr id="5" name="TextBox 4"/>
-          <p:cNvSpPr txBox="1"/>
+      <p:pic>
+        <p:nvPicPr>
+          <p:cNvPr id="7" name="Picture 6"/>
+          <p:cNvPicPr>
+            <a:picLocks noChangeAspect="1"/>
+          </p:cNvPicPr>
           <p:nvPr/>
-        </p:nvSpPr>
-        <p:spPr bwMode="gray">
+        </p:nvPicPr>
+        <p:blipFill>
+          <a:blip r:embed="rId2" cstate="print">
+            <a:extLst>
+              <a:ext uri="{28A0092B-C50C-407E-A947-70E740481C1C}">
+                <a14:useLocalDpi xmlns:a14="http://schemas.microsoft.com/office/drawing/2010/main" val="0"/>
+              </a:ext>
+            </a:extLst>
+          </a:blip>
+          <a:stretch>
+            <a:fillRect/>
+          </a:stretch>
+        </p:blipFill>
+        <p:spPr>
           <a:xfrm>
-            <a:off x="3154680" y="3084872"/>
-            <a:ext cx="5882640" cy="688256"/>
+            <a:off x="1981191" y="685794"/>
+            <a:ext cx="8229617" cy="5486411"/>
           </a:xfrm>
           <a:prstGeom prst="rect">
             <a:avLst/>
           </a:prstGeom>
-          <a:noFill/>
         </p:spPr>
-        <p:txBody>
-          <a:bodyPr wrap="square" lIns="36000" tIns="36000" rIns="36000" bIns="36000" rtlCol="0">
-            <a:spAutoFit/>
-          </a:bodyPr>
-          <a:lstStyle/>
-          <a:p>
-            <a:pPr algn="ctr"/>
-            <a:r>
-              <a:rPr lang="en-US" sz="4000" dirty="0" err="1" smtClean="0">
-                <a:latin typeface="Source Sans Pro Light" panose="020B0403030403020204" pitchFamily="34" charset="0"/>
-                <a:cs typeface="Leelawadee UI Semilight" panose="020B0402040204020203" pitchFamily="34" charset="-34"/>
-              </a:rPr>
-              <a:t>xgb</a:t>
-            </a:r>
-            <a:r>
-              <a:rPr lang="en-US" sz="4000" dirty="0" smtClean="0">
-                <a:latin typeface="Source Sans Pro Light" panose="020B0403030403020204" pitchFamily="34" charset="0"/>
-                <a:cs typeface="Leelawadee UI Semilight" panose="020B0402040204020203" pitchFamily="34" charset="-34"/>
-              </a:rPr>
-              <a:t> output – no interval</a:t>
-            </a:r>
-          </a:p>
-        </p:txBody>
-      </p:sp>
+      </p:pic>
     </p:spTree>
     <p:extLst>
       <p:ext uri="{BB962C8B-B14F-4D97-AF65-F5344CB8AC3E}">
@@ -22782,7 +22864,7 @@
 </file>
 
 <file path=ppt/slides/slide9.xml><?xml version="1.0" encoding="utf-8"?>
-<p:sld xmlns:a="http://schemas.openxmlformats.org/drawingml/2006/main" xmlns:r="http://schemas.openxmlformats.org/officeDocument/2006/relationships" xmlns:p="http://schemas.openxmlformats.org/presentationml/2006/main" showMasterSp="0">
+<p:sld xmlns:a="http://schemas.openxmlformats.org/drawingml/2006/main" xmlns:r="http://schemas.openxmlformats.org/officeDocument/2006/relationships" xmlns:p="http://schemas.openxmlformats.org/presentationml/2006/main">
   <p:cSld>
     <p:spTree>
       <p:nvGrpSpPr>
@@ -22798,50 +22880,40 @@
           <a:chExt cx="0" cy="0"/>
         </a:xfrm>
       </p:grpSpPr>
-      <p:sp>
-        <p:nvSpPr>
-          <p:cNvPr id="6" name="TextBox 5"/>
-          <p:cNvSpPr txBox="1"/>
+      <p:pic>
+        <p:nvPicPr>
+          <p:cNvPr id="7" name="Picture 6"/>
+          <p:cNvPicPr>
+            <a:picLocks noChangeAspect="1"/>
+          </p:cNvPicPr>
           <p:nvPr/>
-        </p:nvSpPr>
-        <p:spPr bwMode="gray">
+        </p:nvPicPr>
+        <p:blipFill>
+          <a:blip r:embed="rId2" cstate="print">
+            <a:extLst>
+              <a:ext uri="{28A0092B-C50C-407E-A947-70E740481C1C}">
+                <a14:useLocalDpi xmlns:a14="http://schemas.microsoft.com/office/drawing/2010/main" val="0"/>
+              </a:ext>
+            </a:extLst>
+          </a:blip>
+          <a:stretch>
+            <a:fillRect/>
+          </a:stretch>
+        </p:blipFill>
+        <p:spPr>
           <a:xfrm>
-            <a:off x="3154680" y="3084872"/>
-            <a:ext cx="5882640" cy="688256"/>
+            <a:off x="1981191" y="685794"/>
+            <a:ext cx="8229617" cy="5486411"/>
           </a:xfrm>
           <a:prstGeom prst="rect">
             <a:avLst/>
           </a:prstGeom>
-          <a:noFill/>
         </p:spPr>
-        <p:txBody>
-          <a:bodyPr wrap="square" lIns="36000" tIns="36000" rIns="36000" bIns="36000" rtlCol="0">
-            <a:spAutoFit/>
-          </a:bodyPr>
-          <a:lstStyle/>
-          <a:p>
-            <a:pPr algn="ctr"/>
-            <a:r>
-              <a:rPr lang="en-US" sz="4000" dirty="0" err="1" smtClean="0">
-                <a:latin typeface="Source Sans Pro Light" panose="020B0403030403020204" pitchFamily="34" charset="0"/>
-                <a:cs typeface="Leelawadee UI Semilight" panose="020B0402040204020203" pitchFamily="34" charset="-34"/>
-              </a:rPr>
-              <a:t>xgb</a:t>
-            </a:r>
-            <a:r>
-              <a:rPr lang="en-US" sz="4000" dirty="0" smtClean="0">
-                <a:latin typeface="Source Sans Pro Light" panose="020B0403030403020204" pitchFamily="34" charset="0"/>
-                <a:cs typeface="Leelawadee UI Semilight" panose="020B0402040204020203" pitchFamily="34" charset="-34"/>
-              </a:rPr>
-              <a:t> output – interval</a:t>
-            </a:r>
-          </a:p>
-        </p:txBody>
-      </p:sp>
+      </p:pic>
     </p:spTree>
     <p:extLst>
       <p:ext uri="{BB962C8B-B14F-4D97-AF65-F5344CB8AC3E}">
-        <p14:creationId xmlns:p14="http://schemas.microsoft.com/office/powerpoint/2010/main" val="3477711874"/>
+        <p14:creationId xmlns:p14="http://schemas.microsoft.com/office/powerpoint/2010/main" val="2888076486"/>
       </p:ext>
     </p:extLst>
   </p:cSld>
